--- a/inflearn08/doc/교재.pptx
+++ b/inflearn08/doc/교재.pptx
@@ -5,16 +5,19 @@
     <p:sldMasterId id="2147483648" r:id="rId1"/>
   </p:sldMasterIdLst>
   <p:notesMasterIdLst>
-    <p:notesMasterId r:id="rId6"/>
+    <p:notesMasterId r:id="rId9"/>
   </p:notesMasterIdLst>
   <p:handoutMasterIdLst>
-    <p:handoutMasterId r:id="rId7"/>
+    <p:handoutMasterId r:id="rId10"/>
   </p:handoutMasterIdLst>
   <p:sldIdLst>
     <p:sldId id="261" r:id="rId2"/>
     <p:sldId id="301" r:id="rId3"/>
     <p:sldId id="286" r:id="rId4"/>
     <p:sldId id="300" r:id="rId5"/>
+    <p:sldId id="302" r:id="rId6"/>
+    <p:sldId id="303" r:id="rId7"/>
+    <p:sldId id="304" r:id="rId8"/>
   </p:sldIdLst>
   <p:sldSz cx="12192000" cy="6858000"/>
   <p:notesSz cx="6858000" cy="9144000"/>
@@ -16698,6 +16701,327 @@
 </p:sld>
 </file>
 
+<file path=ppt/slides/slide5.xml><?xml version="1.0" encoding="utf-8"?>
+<p:sld xmlns:a="http://schemas.openxmlformats.org/drawingml/2006/main" xmlns:r="http://schemas.openxmlformats.org/officeDocument/2006/relationships" xmlns:p="http://schemas.openxmlformats.org/presentationml/2006/main">
+  <p:cSld>
+    <p:spTree>
+      <p:nvGrpSpPr>
+        <p:cNvPr id="1" name=""/>
+        <p:cNvGrpSpPr/>
+        <p:nvPr/>
+      </p:nvGrpSpPr>
+      <p:grpSpPr>
+        <a:xfrm>
+          <a:off x="0" y="0"/>
+          <a:ext cx="0" cy="0"/>
+          <a:chOff x="0" y="0"/>
+          <a:chExt cx="0" cy="0"/>
+        </a:xfrm>
+      </p:grpSpPr>
+      <p:sp>
+        <p:nvSpPr>
+          <p:cNvPr id="2" name="제목 1">
+            <a:extLst>
+              <a:ext uri="{FF2B5EF4-FFF2-40B4-BE49-F238E27FC236}">
+                <a16:creationId xmlns:a16="http://schemas.microsoft.com/office/drawing/2014/main" id="{8018E97D-AF8B-44CF-A2D8-44899AF5BBB2}"/>
+              </a:ext>
+            </a:extLst>
+          </p:cNvPr>
+          <p:cNvSpPr>
+            <a:spLocks noGrp="1"/>
+          </p:cNvSpPr>
+          <p:nvPr>
+            <p:ph type="title"/>
+          </p:nvPr>
+        </p:nvSpPr>
+        <p:spPr/>
+        <p:txBody>
+          <a:bodyPr/>
+          <a:lstStyle/>
+          <a:p>
+            <a:r>
+              <a:rPr lang="ko-KR" altLang="en-US" dirty="0"/>
+              <a:t>개발자 요구사항 </a:t>
+            </a:r>
+            <a:r>
+              <a:rPr lang="en-US" altLang="ko-KR" dirty="0"/>
+              <a:t>small Q</a:t>
+            </a:r>
+            <a:endParaRPr lang="ko-KR" altLang="en-US" dirty="0"/>
+          </a:p>
+        </p:txBody>
+      </p:sp>
+      <p:pic>
+        <p:nvPicPr>
+          <p:cNvPr id="5" name="내용 개체 틀 4">
+            <a:extLst>
+              <a:ext uri="{FF2B5EF4-FFF2-40B4-BE49-F238E27FC236}">
+                <a16:creationId xmlns:a16="http://schemas.microsoft.com/office/drawing/2014/main" id="{C4C53FC7-8F6E-4D30-880F-FD3688595EB4}"/>
+              </a:ext>
+            </a:extLst>
+          </p:cNvPr>
+          <p:cNvPicPr>
+            <a:picLocks noGrp="1" noChangeAspect="1"/>
+          </p:cNvPicPr>
+          <p:nvPr>
+            <p:ph idx="1"/>
+          </p:nvPr>
+        </p:nvPicPr>
+        <p:blipFill>
+          <a:blip r:embed="rId2"/>
+          <a:stretch>
+            <a:fillRect/>
+          </a:stretch>
+        </p:blipFill>
+        <p:spPr>
+          <a:xfrm>
+            <a:off x="1295400" y="2019226"/>
+            <a:ext cx="5896798" cy="3010320"/>
+          </a:xfrm>
+        </p:spPr>
+      </p:pic>
+    </p:spTree>
+    <p:extLst>
+      <p:ext uri="{BB962C8B-B14F-4D97-AF65-F5344CB8AC3E}">
+        <p14:creationId xmlns:p14="http://schemas.microsoft.com/office/powerpoint/2010/main" val="1887335672"/>
+      </p:ext>
+    </p:extLst>
+  </p:cSld>
+  <p:clrMapOvr>
+    <a:masterClrMapping/>
+  </p:clrMapOvr>
+  <mc:AlternateContent xmlns:mc="http://schemas.openxmlformats.org/markup-compatibility/2006" xmlns:p14="http://schemas.microsoft.com/office/powerpoint/2010/main">
+    <mc:Choice Requires="p14">
+      <p:transition spd="med" p14:dur="700">
+        <p:fade/>
+      </p:transition>
+    </mc:Choice>
+    <mc:Fallback xmlns="">
+      <p:transition spd="med">
+        <p:fade/>
+      </p:transition>
+    </mc:Fallback>
+  </mc:AlternateContent>
+</p:sld>
+</file>
+
+<file path=ppt/slides/slide6.xml><?xml version="1.0" encoding="utf-8"?>
+<p:sld xmlns:a="http://schemas.openxmlformats.org/drawingml/2006/main" xmlns:r="http://schemas.openxmlformats.org/officeDocument/2006/relationships" xmlns:p="http://schemas.openxmlformats.org/presentationml/2006/main">
+  <p:cSld>
+    <p:spTree>
+      <p:nvGrpSpPr>
+        <p:cNvPr id="1" name=""/>
+        <p:cNvGrpSpPr/>
+        <p:nvPr/>
+      </p:nvGrpSpPr>
+      <p:grpSpPr>
+        <a:xfrm>
+          <a:off x="0" y="0"/>
+          <a:ext cx="0" cy="0"/>
+          <a:chOff x="0" y="0"/>
+          <a:chExt cx="0" cy="0"/>
+        </a:xfrm>
+      </p:grpSpPr>
+      <p:sp>
+        <p:nvSpPr>
+          <p:cNvPr id="2" name="제목 1">
+            <a:extLst>
+              <a:ext uri="{FF2B5EF4-FFF2-40B4-BE49-F238E27FC236}">
+                <a16:creationId xmlns:a16="http://schemas.microsoft.com/office/drawing/2014/main" id="{AA7C8FF6-8052-4E0E-B172-7535406A42C8}"/>
+              </a:ext>
+            </a:extLst>
+          </p:cNvPr>
+          <p:cNvSpPr>
+            <a:spLocks noGrp="1"/>
+          </p:cNvSpPr>
+          <p:nvPr>
+            <p:ph type="title"/>
+          </p:nvPr>
+        </p:nvSpPr>
+        <p:spPr/>
+        <p:txBody>
+          <a:bodyPr/>
+          <a:lstStyle/>
+          <a:p>
+            <a:r>
+              <a:rPr lang="ko-KR" altLang="en-US" dirty="0"/>
+              <a:t>개발자 요구사항 </a:t>
+            </a:r>
+            <a:r>
+              <a:rPr lang="en-US" altLang="ko-KR" dirty="0"/>
+              <a:t>small Q</a:t>
+            </a:r>
+            <a:endParaRPr lang="ko-KR" altLang="en-US" dirty="0"/>
+          </a:p>
+        </p:txBody>
+      </p:sp>
+      <p:pic>
+        <p:nvPicPr>
+          <p:cNvPr id="5" name="내용 개체 틀 4">
+            <a:extLst>
+              <a:ext uri="{FF2B5EF4-FFF2-40B4-BE49-F238E27FC236}">
+                <a16:creationId xmlns:a16="http://schemas.microsoft.com/office/drawing/2014/main" id="{DADF1ED1-12B9-4CFD-84E5-C6E214E83752}"/>
+              </a:ext>
+            </a:extLst>
+          </p:cNvPr>
+          <p:cNvPicPr>
+            <a:picLocks noGrp="1" noChangeAspect="1"/>
+          </p:cNvPicPr>
+          <p:nvPr>
+            <p:ph idx="1"/>
+          </p:nvPr>
+        </p:nvPicPr>
+        <p:blipFill>
+          <a:blip r:embed="rId2"/>
+          <a:stretch>
+            <a:fillRect/>
+          </a:stretch>
+        </p:blipFill>
+        <p:spPr>
+          <a:xfrm>
+            <a:off x="1295400" y="1875946"/>
+            <a:ext cx="6182504" cy="3810000"/>
+          </a:xfrm>
+        </p:spPr>
+      </p:pic>
+    </p:spTree>
+    <p:extLst>
+      <p:ext uri="{BB962C8B-B14F-4D97-AF65-F5344CB8AC3E}">
+        <p14:creationId xmlns:p14="http://schemas.microsoft.com/office/powerpoint/2010/main" val="3559836588"/>
+      </p:ext>
+    </p:extLst>
+  </p:cSld>
+  <p:clrMapOvr>
+    <a:masterClrMapping/>
+  </p:clrMapOvr>
+  <mc:AlternateContent xmlns:mc="http://schemas.openxmlformats.org/markup-compatibility/2006" xmlns:p14="http://schemas.microsoft.com/office/powerpoint/2010/main">
+    <mc:Choice Requires="p14">
+      <p:transition spd="med" p14:dur="700">
+        <p:fade/>
+      </p:transition>
+    </mc:Choice>
+    <mc:Fallback xmlns="">
+      <p:transition spd="med">
+        <p:fade/>
+      </p:transition>
+    </mc:Fallback>
+  </mc:AlternateContent>
+</p:sld>
+</file>
+
+<file path=ppt/slides/slide7.xml><?xml version="1.0" encoding="utf-8"?>
+<p:sld xmlns:a="http://schemas.openxmlformats.org/drawingml/2006/main" xmlns:r="http://schemas.openxmlformats.org/officeDocument/2006/relationships" xmlns:p="http://schemas.openxmlformats.org/presentationml/2006/main">
+  <p:cSld>
+    <p:spTree>
+      <p:nvGrpSpPr>
+        <p:cNvPr id="1" name=""/>
+        <p:cNvGrpSpPr/>
+        <p:nvPr/>
+      </p:nvGrpSpPr>
+      <p:grpSpPr>
+        <a:xfrm>
+          <a:off x="0" y="0"/>
+          <a:ext cx="0" cy="0"/>
+          <a:chOff x="0" y="0"/>
+          <a:chExt cx="0" cy="0"/>
+        </a:xfrm>
+      </p:grpSpPr>
+      <p:sp>
+        <p:nvSpPr>
+          <p:cNvPr id="4" name="제목 3">
+            <a:extLst>
+              <a:ext uri="{FF2B5EF4-FFF2-40B4-BE49-F238E27FC236}">
+                <a16:creationId xmlns:a16="http://schemas.microsoft.com/office/drawing/2014/main" id="{8F26B3A5-4FCD-4BF2-807F-8EB8F5539276}"/>
+              </a:ext>
+            </a:extLst>
+          </p:cNvPr>
+          <p:cNvSpPr>
+            <a:spLocks noGrp="1"/>
+          </p:cNvSpPr>
+          <p:nvPr>
+            <p:ph type="title"/>
+          </p:nvPr>
+        </p:nvSpPr>
+        <p:spPr>
+          <a:xfrm>
+            <a:off x="1295400" y="870655"/>
+            <a:ext cx="9601200" cy="2743200"/>
+          </a:xfrm>
+        </p:spPr>
+        <p:txBody>
+          <a:bodyPr/>
+          <a:lstStyle/>
+          <a:p>
+            <a:pPr algn="ctr"/>
+            <a:r>
+              <a:rPr lang="ko-KR" altLang="en-US" dirty="0"/>
+              <a:t>수고하셨습니다</a:t>
+            </a:r>
+            <a:r>
+              <a:rPr lang="en-US" altLang="ko-KR" dirty="0"/>
+              <a:t>.</a:t>
+            </a:r>
+            <a:endParaRPr lang="ko-KR" altLang="en-US" dirty="0"/>
+          </a:p>
+        </p:txBody>
+      </p:sp>
+      <p:sp>
+        <p:nvSpPr>
+          <p:cNvPr id="5" name="텍스트 개체 틀 4">
+            <a:extLst>
+              <a:ext uri="{FF2B5EF4-FFF2-40B4-BE49-F238E27FC236}">
+                <a16:creationId xmlns:a16="http://schemas.microsoft.com/office/drawing/2014/main" id="{FA936ADE-802A-4527-90F0-FE6BEDF1BD3D}"/>
+              </a:ext>
+            </a:extLst>
+          </p:cNvPr>
+          <p:cNvSpPr>
+            <a:spLocks noGrp="1"/>
+          </p:cNvSpPr>
+          <p:nvPr>
+            <p:ph type="body" idx="1"/>
+          </p:nvPr>
+        </p:nvSpPr>
+        <p:spPr/>
+        <p:txBody>
+          <a:bodyPr/>
+          <a:lstStyle/>
+          <a:p>
+            <a:r>
+              <a:rPr lang="ko-KR" altLang="en-US" dirty="0" err="1"/>
+              <a:t>백엔드</a:t>
+            </a:r>
+            <a:r>
+              <a:rPr lang="ko-KR" altLang="en-US" dirty="0"/>
+              <a:t> 프레임워크 만들기</a:t>
+            </a:r>
+          </a:p>
+        </p:txBody>
+      </p:sp>
+    </p:spTree>
+    <p:extLst>
+      <p:ext uri="{BB962C8B-B14F-4D97-AF65-F5344CB8AC3E}">
+        <p14:creationId xmlns:p14="http://schemas.microsoft.com/office/powerpoint/2010/main" val="1851573115"/>
+      </p:ext>
+    </p:extLst>
+  </p:cSld>
+  <p:clrMapOvr>
+    <a:masterClrMapping/>
+  </p:clrMapOvr>
+  <mc:AlternateContent xmlns:mc="http://schemas.openxmlformats.org/markup-compatibility/2006" xmlns:p14="http://schemas.microsoft.com/office/powerpoint/2010/main">
+    <mc:Choice Requires="p14">
+      <p:transition spd="med" p14:dur="700">
+        <p:fade/>
+      </p:transition>
+    </mc:Choice>
+    <mc:Fallback xmlns="">
+      <p:transition spd="med">
+        <p:fade/>
+      </p:transition>
+    </mc:Fallback>
+  </mc:AlternateContent>
+</p:sld>
+</file>
+
 <file path=ppt/theme/theme1.xml><?xml version="1.0" encoding="utf-8"?>
 <a:theme xmlns:a="http://schemas.openxmlformats.org/drawingml/2006/main" name="다이아몬드 눈금 16x9">
   <a:themeElements>

--- a/inflearn08/doc/교재.pptx
+++ b/inflearn08/doc/교재.pptx
@@ -5,19 +5,20 @@
     <p:sldMasterId id="2147483648" r:id="rId1"/>
   </p:sldMasterIdLst>
   <p:notesMasterIdLst>
-    <p:notesMasterId r:id="rId9"/>
+    <p:notesMasterId r:id="rId10"/>
   </p:notesMasterIdLst>
   <p:handoutMasterIdLst>
-    <p:handoutMasterId r:id="rId10"/>
+    <p:handoutMasterId r:id="rId11"/>
   </p:handoutMasterIdLst>
   <p:sldIdLst>
     <p:sldId id="261" r:id="rId2"/>
     <p:sldId id="301" r:id="rId3"/>
     <p:sldId id="286" r:id="rId4"/>
     <p:sldId id="300" r:id="rId5"/>
-    <p:sldId id="302" r:id="rId6"/>
-    <p:sldId id="303" r:id="rId7"/>
-    <p:sldId id="304" r:id="rId8"/>
+    <p:sldId id="305" r:id="rId6"/>
+    <p:sldId id="302" r:id="rId7"/>
+    <p:sldId id="303" r:id="rId8"/>
+    <p:sldId id="304" r:id="rId9"/>
   </p:sldIdLst>
   <p:sldSz cx="12192000" cy="6858000"/>
   <p:notesSz cx="6858000" cy="9144000"/>
@@ -16453,7 +16454,7 @@
             </a:r>
             <a:r>
               <a:rPr lang="en-US" altLang="ko-KR" dirty="0"/>
-              <a:t>small Q</a:t>
+              <a:t>Small Q</a:t>
             </a:r>
             <a:endParaRPr lang="ko-KR" altLang="en-US" dirty="0"/>
           </a:p>
@@ -16723,6 +16724,228 @@
           <p:cNvPr id="2" name="제목 1">
             <a:extLst>
               <a:ext uri="{FF2B5EF4-FFF2-40B4-BE49-F238E27FC236}">
+                <a16:creationId xmlns:a16="http://schemas.microsoft.com/office/drawing/2014/main" id="{0977EBE4-9558-45AF-9A05-5BD46A8BAEE3}"/>
+              </a:ext>
+            </a:extLst>
+          </p:cNvPr>
+          <p:cNvSpPr>
+            <a:spLocks noGrp="1"/>
+          </p:cNvSpPr>
+          <p:nvPr>
+            <p:ph type="title"/>
+          </p:nvPr>
+        </p:nvSpPr>
+        <p:spPr/>
+        <p:txBody>
+          <a:bodyPr/>
+          <a:lstStyle/>
+          <a:p>
+            <a:r>
+              <a:rPr lang="ko-KR" altLang="en-US" dirty="0"/>
+              <a:t>개발자 요구사항 </a:t>
+            </a:r>
+            <a:r>
+              <a:rPr lang="en-US" altLang="ko-KR" dirty="0"/>
+              <a:t>Small Q</a:t>
+            </a:r>
+            <a:endParaRPr lang="ko-KR" altLang="en-US" dirty="0"/>
+          </a:p>
+        </p:txBody>
+      </p:sp>
+      <p:sp>
+        <p:nvSpPr>
+          <p:cNvPr id="5" name="직사각형 4">
+            <a:extLst>
+              <a:ext uri="{FF2B5EF4-FFF2-40B4-BE49-F238E27FC236}">
+                <a16:creationId xmlns:a16="http://schemas.microsoft.com/office/drawing/2014/main" id="{CDA90E76-8573-482A-8786-86501403B461}"/>
+              </a:ext>
+            </a:extLst>
+          </p:cNvPr>
+          <p:cNvSpPr/>
+          <p:nvPr/>
+        </p:nvSpPr>
+        <p:spPr>
+          <a:xfrm>
+            <a:off x="1295400" y="3025524"/>
+            <a:ext cx="2315603" cy="914400"/>
+          </a:xfrm>
+          <a:prstGeom prst="rect">
+            <a:avLst/>
+          </a:prstGeom>
+        </p:spPr>
+        <p:style>
+          <a:lnRef idx="2">
+            <a:schemeClr val="dk1"/>
+          </a:lnRef>
+          <a:fillRef idx="1">
+            <a:schemeClr val="lt1"/>
+          </a:fillRef>
+          <a:effectRef idx="0">
+            <a:schemeClr val="dk1"/>
+          </a:effectRef>
+          <a:fontRef idx="minor">
+            <a:schemeClr val="dk1"/>
+          </a:fontRef>
+        </p:style>
+        <p:txBody>
+          <a:bodyPr rtlCol="0" anchor="ctr"/>
+          <a:lstStyle/>
+          <a:p>
+            <a:pPr algn="ctr"/>
+            <a:r>
+              <a:rPr lang="en-US" altLang="ko-KR" dirty="0"/>
+              <a:t>Small Q</a:t>
+            </a:r>
+            <a:endParaRPr lang="ko-KR" altLang="en-US" dirty="0"/>
+          </a:p>
+        </p:txBody>
+      </p:sp>
+      <p:sp>
+        <p:nvSpPr>
+          <p:cNvPr id="6" name="직사각형 5">
+            <a:extLst>
+              <a:ext uri="{FF2B5EF4-FFF2-40B4-BE49-F238E27FC236}">
+                <a16:creationId xmlns:a16="http://schemas.microsoft.com/office/drawing/2014/main" id="{73FD977F-D048-476E-A18A-7FCC2B1A394E}"/>
+              </a:ext>
+            </a:extLst>
+          </p:cNvPr>
+          <p:cNvSpPr/>
+          <p:nvPr/>
+        </p:nvSpPr>
+        <p:spPr>
+          <a:xfrm>
+            <a:off x="5381692" y="2111124"/>
+            <a:ext cx="2315603" cy="914400"/>
+          </a:xfrm>
+          <a:prstGeom prst="rect">
+            <a:avLst/>
+          </a:prstGeom>
+        </p:spPr>
+        <p:style>
+          <a:lnRef idx="2">
+            <a:schemeClr val="dk1"/>
+          </a:lnRef>
+          <a:fillRef idx="1">
+            <a:schemeClr val="lt1"/>
+          </a:fillRef>
+          <a:effectRef idx="0">
+            <a:schemeClr val="dk1"/>
+          </a:effectRef>
+          <a:fontRef idx="minor">
+            <a:schemeClr val="dk1"/>
+          </a:fontRef>
+        </p:style>
+        <p:txBody>
+          <a:bodyPr rtlCol="0" anchor="ctr"/>
+          <a:lstStyle/>
+          <a:p>
+            <a:pPr algn="ctr"/>
+            <a:r>
+              <a:rPr lang="ko-KR" altLang="en-US" dirty="0"/>
+              <a:t>작동하는 코드</a:t>
+            </a:r>
+          </a:p>
+        </p:txBody>
+      </p:sp>
+      <p:sp>
+        <p:nvSpPr>
+          <p:cNvPr id="7" name="직사각형 6">
+            <a:extLst>
+              <a:ext uri="{FF2B5EF4-FFF2-40B4-BE49-F238E27FC236}">
+                <a16:creationId xmlns:a16="http://schemas.microsoft.com/office/drawing/2014/main" id="{C91B6D1F-0DC7-4E2C-8A80-16BC98593165}"/>
+              </a:ext>
+            </a:extLst>
+          </p:cNvPr>
+          <p:cNvSpPr/>
+          <p:nvPr/>
+        </p:nvSpPr>
+        <p:spPr>
+          <a:xfrm>
+            <a:off x="5381691" y="3939924"/>
+            <a:ext cx="2315603" cy="914400"/>
+          </a:xfrm>
+          <a:prstGeom prst="rect">
+            <a:avLst/>
+          </a:prstGeom>
+        </p:spPr>
+        <p:style>
+          <a:lnRef idx="2">
+            <a:schemeClr val="dk1"/>
+          </a:lnRef>
+          <a:fillRef idx="1">
+            <a:schemeClr val="lt1"/>
+          </a:fillRef>
+          <a:effectRef idx="0">
+            <a:schemeClr val="dk1"/>
+          </a:effectRef>
+          <a:fontRef idx="minor">
+            <a:schemeClr val="dk1"/>
+          </a:fontRef>
+        </p:style>
+        <p:txBody>
+          <a:bodyPr rtlCol="0" anchor="ctr"/>
+          <a:lstStyle/>
+          <a:p>
+            <a:pPr algn="ctr"/>
+            <a:r>
+              <a:rPr lang="ko-KR" altLang="en-US" dirty="0"/>
+              <a:t>작동하는 </a:t>
+            </a:r>
+            <a:r>
+              <a:rPr lang="en-US" altLang="ko-KR" dirty="0"/>
+              <a:t>SW</a:t>
+            </a:r>
+            <a:endParaRPr lang="ko-KR" altLang="en-US" dirty="0"/>
+          </a:p>
+        </p:txBody>
+      </p:sp>
+    </p:spTree>
+    <p:extLst>
+      <p:ext uri="{BB962C8B-B14F-4D97-AF65-F5344CB8AC3E}">
+        <p14:creationId xmlns:p14="http://schemas.microsoft.com/office/powerpoint/2010/main" val="2914902998"/>
+      </p:ext>
+    </p:extLst>
+  </p:cSld>
+  <p:clrMapOvr>
+    <a:masterClrMapping/>
+  </p:clrMapOvr>
+  <mc:AlternateContent xmlns:mc="http://schemas.openxmlformats.org/markup-compatibility/2006" xmlns:p14="http://schemas.microsoft.com/office/powerpoint/2010/main">
+    <mc:Choice Requires="p14">
+      <p:transition spd="med" p14:dur="700">
+        <p:fade/>
+      </p:transition>
+    </mc:Choice>
+    <mc:Fallback xmlns="">
+      <p:transition spd="med">
+        <p:fade/>
+      </p:transition>
+    </mc:Fallback>
+  </mc:AlternateContent>
+</p:sld>
+</file>
+
+<file path=ppt/slides/slide6.xml><?xml version="1.0" encoding="utf-8"?>
+<p:sld xmlns:a="http://schemas.openxmlformats.org/drawingml/2006/main" xmlns:r="http://schemas.openxmlformats.org/officeDocument/2006/relationships" xmlns:p="http://schemas.openxmlformats.org/presentationml/2006/main">
+  <p:cSld>
+    <p:spTree>
+      <p:nvGrpSpPr>
+        <p:cNvPr id="1" name=""/>
+        <p:cNvGrpSpPr/>
+        <p:nvPr/>
+      </p:nvGrpSpPr>
+      <p:grpSpPr>
+        <a:xfrm>
+          <a:off x="0" y="0"/>
+          <a:ext cx="0" cy="0"/>
+          <a:chOff x="0" y="0"/>
+          <a:chExt cx="0" cy="0"/>
+        </a:xfrm>
+      </p:grpSpPr>
+      <p:sp>
+        <p:nvSpPr>
+          <p:cNvPr id="2" name="제목 1">
+            <a:extLst>
+              <a:ext uri="{FF2B5EF4-FFF2-40B4-BE49-F238E27FC236}">
                 <a16:creationId xmlns:a16="http://schemas.microsoft.com/office/drawing/2014/main" id="{8018E97D-AF8B-44CF-A2D8-44899AF5BBB2}"/>
               </a:ext>
             </a:extLst>
@@ -16745,7 +16968,7 @@
             </a:r>
             <a:r>
               <a:rPr lang="en-US" altLang="ko-KR" dirty="0"/>
-              <a:t>small Q</a:t>
+              <a:t>Small Q</a:t>
             </a:r>
             <a:endParaRPr lang="ko-KR" altLang="en-US" dirty="0"/>
           </a:p>
@@ -16805,7 +17028,7 @@
 </p:sld>
 </file>
 
-<file path=ppt/slides/slide6.xml><?xml version="1.0" encoding="utf-8"?>
+<file path=ppt/slides/slide7.xml><?xml version="1.0" encoding="utf-8"?>
 <p:sld xmlns:a="http://schemas.openxmlformats.org/drawingml/2006/main" xmlns:r="http://schemas.openxmlformats.org/officeDocument/2006/relationships" xmlns:p="http://schemas.openxmlformats.org/presentationml/2006/main">
   <p:cSld>
     <p:spTree>
@@ -16849,7 +17072,7 @@
             </a:r>
             <a:r>
               <a:rPr lang="en-US" altLang="ko-KR" dirty="0"/>
-              <a:t>small Q</a:t>
+              <a:t>Small Q</a:t>
             </a:r>
             <a:endParaRPr lang="ko-KR" altLang="en-US" dirty="0"/>
           </a:p>
@@ -16909,7 +17132,7 @@
 </p:sld>
 </file>
 
-<file path=ppt/slides/slide7.xml><?xml version="1.0" encoding="utf-8"?>
+<file path=ppt/slides/slide8.xml><?xml version="1.0" encoding="utf-8"?>
 <p:sld xmlns:a="http://schemas.openxmlformats.org/drawingml/2006/main" xmlns:r="http://schemas.openxmlformats.org/officeDocument/2006/relationships" xmlns:p="http://schemas.openxmlformats.org/presentationml/2006/main">
   <p:cSld>
     <p:spTree>
